--- a/Figures/Healint Data.pptx
+++ b/Figures/Healint Data.pptx
@@ -9,13 +9,14 @@
     <p:sldId id="257" r:id="rId3"/>
     <p:sldId id="258" r:id="rId4"/>
     <p:sldId id="266" r:id="rId5"/>
-    <p:sldId id="263" r:id="rId6"/>
-    <p:sldId id="259" r:id="rId7"/>
-    <p:sldId id="260" r:id="rId8"/>
-    <p:sldId id="261" r:id="rId9"/>
-    <p:sldId id="262" r:id="rId10"/>
-    <p:sldId id="265" r:id="rId11"/>
-    <p:sldId id="264" r:id="rId12"/>
+    <p:sldId id="267" r:id="rId6"/>
+    <p:sldId id="263" r:id="rId7"/>
+    <p:sldId id="259" r:id="rId8"/>
+    <p:sldId id="260" r:id="rId9"/>
+    <p:sldId id="261" r:id="rId10"/>
+    <p:sldId id="262" r:id="rId11"/>
+    <p:sldId id="265" r:id="rId12"/>
+    <p:sldId id="264" r:id="rId13"/>
   </p:sldIdLst>
   <p:sldSz cx="12192000" cy="6858000"/>
   <p:notesSz cx="6858000" cy="9144000"/>
@@ -125,7 +126,7 @@
 <file path=ppt/revisionInfo.xml><?xml version="1.0" encoding="utf-8"?>
 <p1510:revInfo xmlns:a="http://schemas.openxmlformats.org/drawingml/2006/main" xmlns:r="http://schemas.openxmlformats.org/officeDocument/2006/relationships" xmlns:p1510="http://schemas.microsoft.com/office/powerpoint/2015/10/main">
   <p1510:revLst>
-    <p1510:client id="{195B1C33-4298-46DD-AAC7-41489ACA1156}" v="23" dt="2022-07-15T15:39:29.651"/>
+    <p1510:client id="{195B1C33-4298-46DD-AAC7-41489ACA1156}" v="26" dt="2022-07-19T11:59:00.330"/>
   </p1510:revLst>
 </p1510:revInfo>
 </file>
@@ -135,7 +136,7 @@
   <pc:docChgLst>
     <pc:chgData name="Stanyer, Emily" userId="db41ee1b-a352-4bb8-9da6-8ec9467941e2" providerId="ADAL" clId="{195B1C33-4298-46DD-AAC7-41489ACA1156}"/>
     <pc:docChg chg="undo custSel addSld modSld sldOrd">
-      <pc:chgData name="Stanyer, Emily" userId="db41ee1b-a352-4bb8-9da6-8ec9467941e2" providerId="ADAL" clId="{195B1C33-4298-46DD-AAC7-41489ACA1156}" dt="2022-07-15T15:39:36.064" v="1751" actId="20577"/>
+      <pc:chgData name="Stanyer, Emily" userId="db41ee1b-a352-4bb8-9da6-8ec9467941e2" providerId="ADAL" clId="{195B1C33-4298-46DD-AAC7-41489ACA1156}" dt="2022-07-26T13:25:12.213" v="1827" actId="20577"/>
       <pc:docMkLst>
         <pc:docMk/>
       </pc:docMkLst>
@@ -404,7 +405,7 @@
         </pc:spChg>
       </pc:sldChg>
       <pc:sldChg chg="addSp delSp modSp new mod">
-        <pc:chgData name="Stanyer, Emily" userId="db41ee1b-a352-4bb8-9da6-8ec9467941e2" providerId="ADAL" clId="{195B1C33-4298-46DD-AAC7-41489ACA1156}" dt="2022-07-15T15:39:36.064" v="1751" actId="20577"/>
+        <pc:chgData name="Stanyer, Emily" userId="db41ee1b-a352-4bb8-9da6-8ec9467941e2" providerId="ADAL" clId="{195B1C33-4298-46DD-AAC7-41489ACA1156}" dt="2022-07-19T15:08:48.276" v="1792" actId="1076"/>
         <pc:sldMkLst>
           <pc:docMk/>
           <pc:sldMk cId="4258813207" sldId="266"/>
@@ -426,7 +427,7 @@
           </ac:spMkLst>
         </pc:spChg>
         <pc:spChg chg="add mod">
-          <ac:chgData name="Stanyer, Emily" userId="db41ee1b-a352-4bb8-9da6-8ec9467941e2" providerId="ADAL" clId="{195B1C33-4298-46DD-AAC7-41489ACA1156}" dt="2022-07-15T15:39:03.598" v="1736" actId="1076"/>
+          <ac:chgData name="Stanyer, Emily" userId="db41ee1b-a352-4bb8-9da6-8ec9467941e2" providerId="ADAL" clId="{195B1C33-4298-46DD-AAC7-41489ACA1156}" dt="2022-07-19T15:08:33.851" v="1790" actId="1076"/>
           <ac:spMkLst>
             <pc:docMk/>
             <pc:sldMk cId="4258813207" sldId="266"/>
@@ -434,7 +435,7 @@
           </ac:spMkLst>
         </pc:spChg>
         <pc:spChg chg="add mod">
-          <ac:chgData name="Stanyer, Emily" userId="db41ee1b-a352-4bb8-9da6-8ec9467941e2" providerId="ADAL" clId="{195B1C33-4298-46DD-AAC7-41489ACA1156}" dt="2022-07-15T15:39:06.185" v="1737" actId="1076"/>
+          <ac:chgData name="Stanyer, Emily" userId="db41ee1b-a352-4bb8-9da6-8ec9467941e2" providerId="ADAL" clId="{195B1C33-4298-46DD-AAC7-41489ACA1156}" dt="2022-07-19T15:08:36.580" v="1791" actId="1076"/>
           <ac:spMkLst>
             <pc:docMk/>
             <pc:sldMk cId="4258813207" sldId="266"/>
@@ -442,15 +443,15 @@
           </ac:spMkLst>
         </pc:spChg>
         <pc:spChg chg="add mod">
-          <ac:chgData name="Stanyer, Emily" userId="db41ee1b-a352-4bb8-9da6-8ec9467941e2" providerId="ADAL" clId="{195B1C33-4298-46DD-AAC7-41489ACA1156}" dt="2022-07-15T15:39:16.641" v="1739" actId="1076"/>
+          <ac:chgData name="Stanyer, Emily" userId="db41ee1b-a352-4bb8-9da6-8ec9467941e2" providerId="ADAL" clId="{195B1C33-4298-46DD-AAC7-41489ACA1156}" dt="2022-07-19T15:08:17.522" v="1787" actId="1076"/>
           <ac:spMkLst>
             <pc:docMk/>
             <pc:sldMk cId="4258813207" sldId="266"/>
             <ac:spMk id="14" creationId="{09DA18F8-A7CF-E24B-20A9-0560029795ED}"/>
           </ac:spMkLst>
         </pc:spChg>
-        <pc:spChg chg="add mod">
-          <ac:chgData name="Stanyer, Emily" userId="db41ee1b-a352-4bb8-9da6-8ec9467941e2" providerId="ADAL" clId="{195B1C33-4298-46DD-AAC7-41489ACA1156}" dt="2022-07-15T15:39:23.309" v="1741" actId="1076"/>
+        <pc:spChg chg="add del mod">
+          <ac:chgData name="Stanyer, Emily" userId="db41ee1b-a352-4bb8-9da6-8ec9467941e2" providerId="ADAL" clId="{195B1C33-4298-46DD-AAC7-41489ACA1156}" dt="2022-07-15T16:43:54.837" v="1752" actId="478"/>
           <ac:spMkLst>
             <pc:docMk/>
             <pc:sldMk cId="4258813207" sldId="266"/>
@@ -458,15 +459,15 @@
           </ac:spMkLst>
         </pc:spChg>
         <pc:spChg chg="add mod">
-          <ac:chgData name="Stanyer, Emily" userId="db41ee1b-a352-4bb8-9da6-8ec9467941e2" providerId="ADAL" clId="{195B1C33-4298-46DD-AAC7-41489ACA1156}" dt="2022-07-15T15:39:29.226" v="1743" actId="1076"/>
+          <ac:chgData name="Stanyer, Emily" userId="db41ee1b-a352-4bb8-9da6-8ec9467941e2" providerId="ADAL" clId="{195B1C33-4298-46DD-AAC7-41489ACA1156}" dt="2022-07-19T15:08:20.694" v="1788" actId="1076"/>
           <ac:spMkLst>
             <pc:docMk/>
             <pc:sldMk cId="4258813207" sldId="266"/>
             <ac:spMk id="16" creationId="{1D14D580-8B47-55B9-D0EA-92CB0D3A524E}"/>
           </ac:spMkLst>
         </pc:spChg>
-        <pc:spChg chg="add mod">
-          <ac:chgData name="Stanyer, Emily" userId="db41ee1b-a352-4bb8-9da6-8ec9467941e2" providerId="ADAL" clId="{195B1C33-4298-46DD-AAC7-41489ACA1156}" dt="2022-07-15T15:39:36.064" v="1751" actId="20577"/>
+        <pc:spChg chg="add del mod">
+          <ac:chgData name="Stanyer, Emily" userId="db41ee1b-a352-4bb8-9da6-8ec9467941e2" providerId="ADAL" clId="{195B1C33-4298-46DD-AAC7-41489ACA1156}" dt="2022-07-15T16:43:56.074" v="1754" actId="478"/>
           <ac:spMkLst>
             <pc:docMk/>
             <pc:sldMk cId="4258813207" sldId="266"/>
@@ -474,11 +475,27 @@
           </ac:spMkLst>
         </pc:spChg>
         <pc:picChg chg="add mod">
-          <ac:chgData name="Stanyer, Emily" userId="db41ee1b-a352-4bb8-9da6-8ec9467941e2" providerId="ADAL" clId="{195B1C33-4298-46DD-AAC7-41489ACA1156}" dt="2022-07-15T15:38:56.893" v="1734" actId="1076"/>
+          <ac:chgData name="Stanyer, Emily" userId="db41ee1b-a352-4bb8-9da6-8ec9467941e2" providerId="ADAL" clId="{195B1C33-4298-46DD-AAC7-41489ACA1156}" dt="2022-07-19T11:57:11.268" v="1774" actId="1076"/>
+          <ac:picMkLst>
+            <pc:docMk/>
+            <pc:sldMk cId="4258813207" sldId="266"/>
+            <ac:picMk id="3" creationId="{9963165C-2EBD-E83E-7D69-A0826350F27A}"/>
+          </ac:picMkLst>
+        </pc:picChg>
+        <pc:picChg chg="add mod">
+          <ac:chgData name="Stanyer, Emily" userId="db41ee1b-a352-4bb8-9da6-8ec9467941e2" providerId="ADAL" clId="{195B1C33-4298-46DD-AAC7-41489ACA1156}" dt="2022-07-19T15:08:48.276" v="1792" actId="1076"/>
           <ac:picMkLst>
             <pc:docMk/>
             <pc:sldMk cId="4258813207" sldId="266"/>
             <ac:picMk id="5" creationId="{DED3BFCF-6C7E-AEAC-1E98-C2E4D9077B49}"/>
+          </ac:picMkLst>
+        </pc:picChg>
+        <pc:picChg chg="add del mod">
+          <ac:chgData name="Stanyer, Emily" userId="db41ee1b-a352-4bb8-9da6-8ec9467941e2" providerId="ADAL" clId="{195B1C33-4298-46DD-AAC7-41489ACA1156}" dt="2022-07-19T11:58:47.472" v="1779" actId="478"/>
+          <ac:picMkLst>
+            <pc:docMk/>
+            <pc:sldMk cId="4258813207" sldId="266"/>
+            <ac:picMk id="6" creationId="{6C8F1709-2CC9-7422-F257-A08116B82D83}"/>
           </ac:picMkLst>
         </pc:picChg>
         <pc:picChg chg="add del mod">
@@ -490,7 +507,15 @@
           </ac:picMkLst>
         </pc:picChg>
         <pc:picChg chg="add mod">
-          <ac:chgData name="Stanyer, Emily" userId="db41ee1b-a352-4bb8-9da6-8ec9467941e2" providerId="ADAL" clId="{195B1C33-4298-46DD-AAC7-41489ACA1156}" dt="2022-07-15T15:35:22.684" v="1706" actId="1076"/>
+          <ac:chgData name="Stanyer, Emily" userId="db41ee1b-a352-4bb8-9da6-8ec9467941e2" providerId="ADAL" clId="{195B1C33-4298-46DD-AAC7-41489ACA1156}" dt="2022-07-19T15:08:23.437" v="1789" actId="1076"/>
+          <ac:picMkLst>
+            <pc:docMk/>
+            <pc:sldMk cId="4258813207" sldId="266"/>
+            <ac:picMk id="8" creationId="{EAB8989A-2F95-4025-8FE4-468B8BF96540}"/>
+          </ac:picMkLst>
+        </pc:picChg>
+        <pc:picChg chg="add mod">
+          <ac:chgData name="Stanyer, Emily" userId="db41ee1b-a352-4bb8-9da6-8ec9467941e2" providerId="ADAL" clId="{195B1C33-4298-46DD-AAC7-41489ACA1156}" dt="2022-07-19T15:08:14.655" v="1786" actId="14100"/>
           <ac:picMkLst>
             <pc:docMk/>
             <pc:sldMk cId="4258813207" sldId="266"/>
@@ -498,13 +523,28 @@
           </ac:picMkLst>
         </pc:picChg>
         <pc:picChg chg="add mod">
-          <ac:chgData name="Stanyer, Emily" userId="db41ee1b-a352-4bb8-9da6-8ec9467941e2" providerId="ADAL" clId="{195B1C33-4298-46DD-AAC7-41489ACA1156}" dt="2022-07-15T15:38:59.698" v="1735" actId="1076"/>
+          <ac:chgData name="Stanyer, Emily" userId="db41ee1b-a352-4bb8-9da6-8ec9467941e2" providerId="ADAL" clId="{195B1C33-4298-46DD-AAC7-41489ACA1156}" dt="2022-07-19T11:57:08.366" v="1772" actId="1076"/>
           <ac:picMkLst>
             <pc:docMk/>
             <pc:sldMk cId="4258813207" sldId="266"/>
             <ac:picMk id="11" creationId="{DA3B9CB1-80B6-C427-AE49-B3D03988B740}"/>
           </ac:picMkLst>
         </pc:picChg>
+      </pc:sldChg>
+      <pc:sldChg chg="modSp new mod">
+        <pc:chgData name="Stanyer, Emily" userId="db41ee1b-a352-4bb8-9da6-8ec9467941e2" providerId="ADAL" clId="{195B1C33-4298-46DD-AAC7-41489ACA1156}" dt="2022-07-26T13:25:12.213" v="1827" actId="20577"/>
+        <pc:sldMkLst>
+          <pc:docMk/>
+          <pc:sldMk cId="406661903" sldId="267"/>
+        </pc:sldMkLst>
+        <pc:spChg chg="mod">
+          <ac:chgData name="Stanyer, Emily" userId="db41ee1b-a352-4bb8-9da6-8ec9467941e2" providerId="ADAL" clId="{195B1C33-4298-46DD-AAC7-41489ACA1156}" dt="2022-07-26T13:25:12.213" v="1827" actId="20577"/>
+          <ac:spMkLst>
+            <pc:docMk/>
+            <pc:sldMk cId="406661903" sldId="267"/>
+            <ac:spMk id="3" creationId="{61FB1390-6ACB-FE14-15A3-30F371B0AEBA}"/>
+          </ac:spMkLst>
+        </pc:spChg>
       </pc:sldChg>
     </pc:docChg>
   </pc:docChgLst>
@@ -660,7 +700,7 @@
           <a:p>
             <a:fld id="{6B418AE3-A804-425F-B786-CCD7E0534BD2}" type="datetimeFigureOut">
               <a:rPr lang="en-GB" smtClean="0"/>
-              <a:t>15/07/2022</a:t>
+              <a:t>26/07/2022</a:t>
             </a:fld>
             <a:endParaRPr lang="en-GB"/>
           </a:p>
@@ -860,7 +900,7 @@
           <a:p>
             <a:fld id="{6B418AE3-A804-425F-B786-CCD7E0534BD2}" type="datetimeFigureOut">
               <a:rPr lang="en-GB" smtClean="0"/>
-              <a:t>15/07/2022</a:t>
+              <a:t>26/07/2022</a:t>
             </a:fld>
             <a:endParaRPr lang="en-GB"/>
           </a:p>
@@ -1070,7 +1110,7 @@
           <a:p>
             <a:fld id="{6B418AE3-A804-425F-B786-CCD7E0534BD2}" type="datetimeFigureOut">
               <a:rPr lang="en-GB" smtClean="0"/>
-              <a:t>15/07/2022</a:t>
+              <a:t>26/07/2022</a:t>
             </a:fld>
             <a:endParaRPr lang="en-GB"/>
           </a:p>
@@ -1270,7 +1310,7 @@
           <a:p>
             <a:fld id="{6B418AE3-A804-425F-B786-CCD7E0534BD2}" type="datetimeFigureOut">
               <a:rPr lang="en-GB" smtClean="0"/>
-              <a:t>15/07/2022</a:t>
+              <a:t>26/07/2022</a:t>
             </a:fld>
             <a:endParaRPr lang="en-GB"/>
           </a:p>
@@ -1546,7 +1586,7 @@
           <a:p>
             <a:fld id="{6B418AE3-A804-425F-B786-CCD7E0534BD2}" type="datetimeFigureOut">
               <a:rPr lang="en-GB" smtClean="0"/>
-              <a:t>15/07/2022</a:t>
+              <a:t>26/07/2022</a:t>
             </a:fld>
             <a:endParaRPr lang="en-GB"/>
           </a:p>
@@ -1814,7 +1854,7 @@
           <a:p>
             <a:fld id="{6B418AE3-A804-425F-B786-CCD7E0534BD2}" type="datetimeFigureOut">
               <a:rPr lang="en-GB" smtClean="0"/>
-              <a:t>15/07/2022</a:t>
+              <a:t>26/07/2022</a:t>
             </a:fld>
             <a:endParaRPr lang="en-GB"/>
           </a:p>
@@ -2229,7 +2269,7 @@
           <a:p>
             <a:fld id="{6B418AE3-A804-425F-B786-CCD7E0534BD2}" type="datetimeFigureOut">
               <a:rPr lang="en-GB" smtClean="0"/>
-              <a:t>15/07/2022</a:t>
+              <a:t>26/07/2022</a:t>
             </a:fld>
             <a:endParaRPr lang="en-GB"/>
           </a:p>
@@ -2371,7 +2411,7 @@
           <a:p>
             <a:fld id="{6B418AE3-A804-425F-B786-CCD7E0534BD2}" type="datetimeFigureOut">
               <a:rPr lang="en-GB" smtClean="0"/>
-              <a:t>15/07/2022</a:t>
+              <a:t>26/07/2022</a:t>
             </a:fld>
             <a:endParaRPr lang="en-GB"/>
           </a:p>
@@ -2484,7 +2524,7 @@
           <a:p>
             <a:fld id="{6B418AE3-A804-425F-B786-CCD7E0534BD2}" type="datetimeFigureOut">
               <a:rPr lang="en-GB" smtClean="0"/>
-              <a:t>15/07/2022</a:t>
+              <a:t>26/07/2022</a:t>
             </a:fld>
             <a:endParaRPr lang="en-GB"/>
           </a:p>
@@ -2797,7 +2837,7 @@
           <a:p>
             <a:fld id="{6B418AE3-A804-425F-B786-CCD7E0534BD2}" type="datetimeFigureOut">
               <a:rPr lang="en-GB" smtClean="0"/>
-              <a:t>15/07/2022</a:t>
+              <a:t>26/07/2022</a:t>
             </a:fld>
             <a:endParaRPr lang="en-GB"/>
           </a:p>
@@ -3086,7 +3126,7 @@
           <a:p>
             <a:fld id="{6B418AE3-A804-425F-B786-CCD7E0534BD2}" type="datetimeFigureOut">
               <a:rPr lang="en-GB" smtClean="0"/>
-              <a:t>15/07/2022</a:t>
+              <a:t>26/07/2022</a:t>
             </a:fld>
             <a:endParaRPr lang="en-GB"/>
           </a:p>
@@ -3329,7 +3369,7 @@
           <a:p>
             <a:fld id="{6B418AE3-A804-425F-B786-CCD7E0534BD2}" type="datetimeFigureOut">
               <a:rPr lang="en-GB" smtClean="0"/>
-              <a:t>15/07/2022</a:t>
+              <a:t>26/07/2022</a:t>
             </a:fld>
             <a:endParaRPr lang="en-GB"/>
           </a:p>
@@ -3888,6 +3928,74 @@
       </p:grpSpPr>
       <p:sp>
         <p:nvSpPr>
+          <p:cNvPr id="7" name="TextBox 6">
+            <a:extLst>
+              <a:ext uri="{FF2B5EF4-FFF2-40B4-BE49-F238E27FC236}">
+                <a16:creationId xmlns:a16="http://schemas.microsoft.com/office/drawing/2014/main" id="{5855D35C-DFCA-D8B9-05BA-F01A074C5E44}"/>
+              </a:ext>
+            </a:extLst>
+          </p:cNvPr>
+          <p:cNvSpPr txBox="1"/>
+          <p:nvPr/>
+        </p:nvSpPr>
+        <p:spPr>
+          <a:xfrm>
+            <a:off x="825624" y="162208"/>
+            <a:ext cx="6492483" cy="461665"/>
+          </a:xfrm>
+          <a:prstGeom prst="rect">
+            <a:avLst/>
+          </a:prstGeom>
+          <a:noFill/>
+        </p:spPr>
+        <p:txBody>
+          <a:bodyPr wrap="none" rtlCol="0">
+            <a:spAutoFit/>
+          </a:bodyPr>
+          <a:lstStyle/>
+          <a:p>
+            <a:r>
+              <a:rPr lang="en-GB" sz="2400" b="1" dirty="0">
+                <a:latin typeface="Arial" panose="020B0604020202020204" pitchFamily="34" charset="0"/>
+                <a:cs typeface="Arial" panose="020B0604020202020204" pitchFamily="34" charset="0"/>
+              </a:rPr>
+              <a:t>Can migraine variables predict poor sleep?</a:t>
+            </a:r>
+          </a:p>
+        </p:txBody>
+      </p:sp>
+    </p:spTree>
+    <p:extLst>
+      <p:ext uri="{BB962C8B-B14F-4D97-AF65-F5344CB8AC3E}">
+        <p14:creationId xmlns:p14="http://schemas.microsoft.com/office/powerpoint/2010/main" val="3093588785"/>
+      </p:ext>
+    </p:extLst>
+  </p:cSld>
+  <p:clrMapOvr>
+    <a:masterClrMapping/>
+  </p:clrMapOvr>
+</p:sld>
+</file>
+
+<file path=ppt/slides/slide11.xml><?xml version="1.0" encoding="utf-8"?>
+<p:sld xmlns:a="http://schemas.openxmlformats.org/drawingml/2006/main" xmlns:r="http://schemas.openxmlformats.org/officeDocument/2006/relationships" xmlns:p="http://schemas.openxmlformats.org/presentationml/2006/main">
+  <p:cSld>
+    <p:spTree>
+      <p:nvGrpSpPr>
+        <p:cNvPr id="1" name=""/>
+        <p:cNvGrpSpPr/>
+        <p:nvPr/>
+      </p:nvGrpSpPr>
+      <p:grpSpPr>
+        <a:xfrm>
+          <a:off x="0" y="0"/>
+          <a:ext cx="0" cy="0"/>
+          <a:chOff x="0" y="0"/>
+          <a:chExt cx="0" cy="0"/>
+        </a:xfrm>
+      </p:grpSpPr>
+      <p:sp>
+        <p:nvSpPr>
           <p:cNvPr id="2" name="Title 1">
             <a:extLst>
               <a:ext uri="{FF2B5EF4-FFF2-40B4-BE49-F238E27FC236}">
@@ -4004,7 +4112,7 @@
 </p:sld>
 </file>
 
-<file path=ppt/slides/slide11.xml><?xml version="1.0" encoding="utf-8"?>
+<file path=ppt/slides/slide12.xml><?xml version="1.0" encoding="utf-8"?>
 <p:sld xmlns:a="http://schemas.openxmlformats.org/drawingml/2006/main" xmlns:r="http://schemas.openxmlformats.org/officeDocument/2006/relationships" xmlns:p="http://schemas.openxmlformats.org/presentationml/2006/main">
   <p:cSld>
     <p:spTree>
@@ -4426,8 +4534,8 @@
         </p:blipFill>
         <p:spPr>
           <a:xfrm>
-            <a:off x="626525" y="144542"/>
-            <a:ext cx="4282826" cy="2855217"/>
+            <a:off x="0" y="-32783"/>
+            <a:ext cx="4926688" cy="3284458"/>
           </a:xfrm>
           <a:prstGeom prst="rect">
             <a:avLst/>
@@ -4462,8 +4570,8 @@
         </p:blipFill>
         <p:spPr>
           <a:xfrm>
-            <a:off x="5397286" y="95776"/>
-            <a:ext cx="4444297" cy="3333224"/>
+            <a:off x="5601473" y="88803"/>
+            <a:ext cx="4758768" cy="3569077"/>
           </a:xfrm>
           <a:prstGeom prst="rect">
             <a:avLst/>
@@ -4498,7 +4606,7 @@
         </p:blipFill>
         <p:spPr>
           <a:xfrm>
-            <a:off x="390523" y="3102927"/>
+            <a:off x="-276838" y="3157251"/>
             <a:ext cx="5006763" cy="3755073"/>
           </a:xfrm>
           <a:prstGeom prst="rect">
@@ -4520,7 +4628,7 @@
         </p:nvSpPr>
         <p:spPr>
           <a:xfrm>
-            <a:off x="3891610" y="4366762"/>
+            <a:off x="3235010" y="4409140"/>
             <a:ext cx="217458" cy="651730"/>
           </a:xfrm>
           <a:prstGeom prst="downArrow">
@@ -4566,7 +4674,7 @@
         </p:nvSpPr>
         <p:spPr>
           <a:xfrm>
-            <a:off x="3700417" y="4061839"/>
+            <a:off x="3043817" y="4147530"/>
             <a:ext cx="599844" cy="261610"/>
           </a:xfrm>
           <a:prstGeom prst="rect">
@@ -4604,7 +4712,7 @@
         </p:nvSpPr>
         <p:spPr>
           <a:xfrm>
-            <a:off x="8492185" y="1013962"/>
+            <a:off x="8908166" y="1164664"/>
             <a:ext cx="217458" cy="651730"/>
           </a:xfrm>
           <a:prstGeom prst="downArrow">
@@ -4638,65 +4746,19 @@
       </p:sp>
       <p:sp>
         <p:nvSpPr>
-          <p:cNvPr id="15" name="Arrow: Down 14">
-            <a:extLst>
-              <a:ext uri="{FF2B5EF4-FFF2-40B4-BE49-F238E27FC236}">
-                <a16:creationId xmlns:a16="http://schemas.microsoft.com/office/drawing/2014/main" id="{092B4A17-EBE3-CEDC-5D8A-76D665DD9FA8}"/>
-              </a:ext>
-            </a:extLst>
-          </p:cNvPr>
-          <p:cNvSpPr/>
+          <p:cNvPr id="16" name="TextBox 15">
+            <a:extLst>
+              <a:ext uri="{FF2B5EF4-FFF2-40B4-BE49-F238E27FC236}">
+                <a16:creationId xmlns:a16="http://schemas.microsoft.com/office/drawing/2014/main" id="{1D14D580-8B47-55B9-D0EA-92CB0D3A524E}"/>
+              </a:ext>
+            </a:extLst>
+          </p:cNvPr>
+          <p:cNvSpPr txBox="1"/>
           <p:nvPr/>
         </p:nvSpPr>
         <p:spPr>
           <a:xfrm>
-            <a:off x="7297363" y="955322"/>
-            <a:ext cx="217458" cy="651730"/>
-          </a:xfrm>
-          <a:prstGeom prst="downArrow">
-            <a:avLst/>
-          </a:prstGeom>
-        </p:spPr>
-        <p:style>
-          <a:lnRef idx="2">
-            <a:schemeClr val="accent2">
-              <a:shade val="50000"/>
-            </a:schemeClr>
-          </a:lnRef>
-          <a:fillRef idx="1">
-            <a:schemeClr val="accent2"/>
-          </a:fillRef>
-          <a:effectRef idx="0">
-            <a:schemeClr val="accent2"/>
-          </a:effectRef>
-          <a:fontRef idx="minor">
-            <a:schemeClr val="lt1"/>
-          </a:fontRef>
-        </p:style>
-        <p:txBody>
-          <a:bodyPr rtlCol="0" anchor="ctr"/>
-          <a:lstStyle/>
-          <a:p>
-            <a:pPr algn="ctr"/>
-            <a:endParaRPr lang="en-GB"/>
-          </a:p>
-        </p:txBody>
-      </p:sp>
-      <p:sp>
-        <p:nvSpPr>
-          <p:cNvPr id="16" name="TextBox 15">
-            <a:extLst>
-              <a:ext uri="{FF2B5EF4-FFF2-40B4-BE49-F238E27FC236}">
-                <a16:creationId xmlns:a16="http://schemas.microsoft.com/office/drawing/2014/main" id="{1D14D580-8B47-55B9-D0EA-92CB0D3A524E}"/>
-              </a:ext>
-            </a:extLst>
-          </p:cNvPr>
-          <p:cNvSpPr txBox="1"/>
-          <p:nvPr/>
-        </p:nvSpPr>
-        <p:spPr>
-          <a:xfrm>
-            <a:off x="8300992" y="695356"/>
+            <a:off x="8716973" y="903054"/>
             <a:ext cx="599844" cy="261610"/>
           </a:xfrm>
           <a:prstGeom prst="rect">
@@ -4720,44 +4782,78 @@
           </a:p>
         </p:txBody>
       </p:sp>
-      <p:sp>
-        <p:nvSpPr>
-          <p:cNvPr id="17" name="TextBox 16">
-            <a:extLst>
-              <a:ext uri="{FF2B5EF4-FFF2-40B4-BE49-F238E27FC236}">
-                <a16:creationId xmlns:a16="http://schemas.microsoft.com/office/drawing/2014/main" id="{F93A1B21-3A93-7A1B-0911-F5EFA743833E}"/>
-              </a:ext>
-            </a:extLst>
-          </p:cNvPr>
-          <p:cNvSpPr txBox="1"/>
+      <p:pic>
+        <p:nvPicPr>
+          <p:cNvPr id="3" name="Picture 2" descr="Chart, line chart, histogram&#10;&#10;Description automatically generated">
+            <a:extLst>
+              <a:ext uri="{FF2B5EF4-FFF2-40B4-BE49-F238E27FC236}">
+                <a16:creationId xmlns:a16="http://schemas.microsoft.com/office/drawing/2014/main" id="{9963165C-2EBD-E83E-7D69-A0826350F27A}"/>
+              </a:ext>
+            </a:extLst>
+          </p:cNvPr>
+          <p:cNvPicPr>
+            <a:picLocks noChangeAspect="1"/>
+          </p:cNvPicPr>
           <p:nvPr/>
-        </p:nvSpPr>
+        </p:nvPicPr>
+        <p:blipFill>
+          <a:blip r:embed="rId5">
+            <a:extLst>
+              <a:ext uri="{28A0092B-C50C-407E-A947-70E740481C1C}">
+                <a14:useLocalDpi xmlns:a14="http://schemas.microsoft.com/office/drawing/2010/main" val="0"/>
+              </a:ext>
+            </a:extLst>
+          </a:blip>
+          <a:stretch>
+            <a:fillRect/>
+          </a:stretch>
+        </p:blipFill>
         <p:spPr>
           <a:xfrm>
-            <a:off x="7060323" y="693712"/>
-            <a:ext cx="599844" cy="261610"/>
+            <a:off x="4769544" y="3130088"/>
+            <a:ext cx="4444297" cy="3809397"/>
           </a:xfrm>
           <a:prstGeom prst="rect">
             <a:avLst/>
           </a:prstGeom>
-          <a:noFill/>
         </p:spPr>
-        <p:txBody>
-          <a:bodyPr wrap="none" rtlCol="0">
-            <a:spAutoFit/>
-          </a:bodyPr>
-          <a:lstStyle/>
-          <a:p>
-            <a:r>
-              <a:rPr lang="en-GB" sz="1100" dirty="0">
-                <a:latin typeface="Arial" panose="020B0604020202020204" pitchFamily="34" charset="0"/>
-                <a:cs typeface="Arial" panose="020B0604020202020204" pitchFamily="34" charset="0"/>
-              </a:rPr>
-              <a:t>3 days</a:t>
-            </a:r>
-          </a:p>
-        </p:txBody>
-      </p:sp>
+      </p:pic>
+      <p:pic>
+        <p:nvPicPr>
+          <p:cNvPr id="8" name="Picture 7" descr="Chart, bar chart&#10;&#10;Description automatically generated">
+            <a:extLst>
+              <a:ext uri="{FF2B5EF4-FFF2-40B4-BE49-F238E27FC236}">
+                <a16:creationId xmlns:a16="http://schemas.microsoft.com/office/drawing/2014/main" id="{EAB8989A-2F95-4025-8FE4-468B8BF96540}"/>
+              </a:ext>
+            </a:extLst>
+          </p:cNvPr>
+          <p:cNvPicPr>
+            <a:picLocks noChangeAspect="1"/>
+          </p:cNvPicPr>
+          <p:nvPr/>
+        </p:nvPicPr>
+        <p:blipFill>
+          <a:blip r:embed="rId6">
+            <a:extLst>
+              <a:ext uri="{28A0092B-C50C-407E-A947-70E740481C1C}">
+                <a14:useLocalDpi xmlns:a14="http://schemas.microsoft.com/office/drawing/2010/main" val="0"/>
+              </a:ext>
+            </a:extLst>
+          </a:blip>
+          <a:stretch>
+            <a:fillRect/>
+          </a:stretch>
+        </p:blipFill>
+        <p:spPr>
+          <a:xfrm>
+            <a:off x="9253460" y="4025991"/>
+            <a:ext cx="2743206" cy="2743206"/>
+          </a:xfrm>
+          <a:prstGeom prst="rect">
+            <a:avLst/>
+          </a:prstGeom>
+        </p:spPr>
+      </p:pic>
     </p:spTree>
     <p:extLst>
       <p:ext uri="{BB962C8B-B14F-4D97-AF65-F5344CB8AC3E}">
@@ -4788,6 +4884,92 @@
           <a:chExt cx="0" cy="0"/>
         </a:xfrm>
       </p:grpSpPr>
+      <p:sp>
+        <p:nvSpPr>
+          <p:cNvPr id="2" name="Title 1">
+            <a:extLst>
+              <a:ext uri="{FF2B5EF4-FFF2-40B4-BE49-F238E27FC236}">
+                <a16:creationId xmlns:a16="http://schemas.microsoft.com/office/drawing/2014/main" id="{4368181D-6111-5A1D-1C36-0FC551B9D335}"/>
+              </a:ext>
+            </a:extLst>
+          </p:cNvPr>
+          <p:cNvSpPr>
+            <a:spLocks noGrp="1"/>
+          </p:cNvSpPr>
+          <p:nvPr>
+            <p:ph type="title"/>
+          </p:nvPr>
+        </p:nvSpPr>
+        <p:spPr/>
+        <p:txBody>
+          <a:bodyPr/>
+          <a:lstStyle/>
+          <a:p>
+            <a:endParaRPr lang="en-GB"/>
+          </a:p>
+        </p:txBody>
+      </p:sp>
+      <p:sp>
+        <p:nvSpPr>
+          <p:cNvPr id="3" name="Content Placeholder 2">
+            <a:extLst>
+              <a:ext uri="{FF2B5EF4-FFF2-40B4-BE49-F238E27FC236}">
+                <a16:creationId xmlns:a16="http://schemas.microsoft.com/office/drawing/2014/main" id="{61FB1390-6ACB-FE14-15A3-30F371B0AEBA}"/>
+              </a:ext>
+            </a:extLst>
+          </p:cNvPr>
+          <p:cNvSpPr>
+            <a:spLocks noGrp="1"/>
+          </p:cNvSpPr>
+          <p:nvPr>
+            <p:ph idx="1"/>
+          </p:nvPr>
+        </p:nvSpPr>
+        <p:spPr/>
+        <p:txBody>
+          <a:bodyPr/>
+          <a:lstStyle/>
+          <a:p>
+            <a:r>
+              <a:rPr lang="en-GB" dirty="0"/>
+              <a:t>Plot sleep on week / weekend</a:t>
+            </a:r>
+          </a:p>
+          <a:p>
+            <a:endParaRPr lang="en-GB" dirty="0"/>
+          </a:p>
+        </p:txBody>
+      </p:sp>
+    </p:spTree>
+    <p:extLst>
+      <p:ext uri="{BB962C8B-B14F-4D97-AF65-F5344CB8AC3E}">
+        <p14:creationId xmlns:p14="http://schemas.microsoft.com/office/powerpoint/2010/main" val="406661903"/>
+      </p:ext>
+    </p:extLst>
+  </p:cSld>
+  <p:clrMapOvr>
+    <a:masterClrMapping/>
+  </p:clrMapOvr>
+</p:sld>
+</file>
+
+<file path=ppt/slides/slide6.xml><?xml version="1.0" encoding="utf-8"?>
+<p:sld xmlns:a="http://schemas.openxmlformats.org/drawingml/2006/main" xmlns:r="http://schemas.openxmlformats.org/officeDocument/2006/relationships" xmlns:p="http://schemas.openxmlformats.org/presentationml/2006/main">
+  <p:cSld>
+    <p:spTree>
+      <p:nvGrpSpPr>
+        <p:cNvPr id="1" name=""/>
+        <p:cNvGrpSpPr/>
+        <p:nvPr/>
+      </p:nvGrpSpPr>
+      <p:grpSpPr>
+        <a:xfrm>
+          <a:off x="0" y="0"/>
+          <a:ext cx="0" cy="0"/>
+          <a:chOff x="0" y="0"/>
+          <a:chExt cx="0" cy="0"/>
+        </a:xfrm>
+      </p:grpSpPr>
       <p:pic>
         <p:nvPicPr>
           <p:cNvPr id="9" name="Picture 8">
@@ -4873,7 +5055,7 @@
 </p:sld>
 </file>
 
-<file path=ppt/slides/slide6.xml><?xml version="1.0" encoding="utf-8"?>
+<file path=ppt/slides/slide7.xml><?xml version="1.0" encoding="utf-8"?>
 <p:sld xmlns:a="http://schemas.openxmlformats.org/drawingml/2006/main" xmlns:r="http://schemas.openxmlformats.org/officeDocument/2006/relationships" xmlns:p="http://schemas.openxmlformats.org/presentationml/2006/main">
   <p:cSld>
     <p:spTree>
@@ -5013,7 +5195,7 @@
 </p:sld>
 </file>
 
-<file path=ppt/slides/slide7.xml><?xml version="1.0" encoding="utf-8"?>
+<file path=ppt/slides/slide8.xml><?xml version="1.0" encoding="utf-8"?>
 <p:sld xmlns:a="http://schemas.openxmlformats.org/drawingml/2006/main" xmlns:r="http://schemas.openxmlformats.org/officeDocument/2006/relationships" xmlns:p="http://schemas.openxmlformats.org/presentationml/2006/main">
   <p:cSld>
     <p:spTree>
@@ -5153,7 +5335,7 @@
 </p:sld>
 </file>
 
-<file path=ppt/slides/slide8.xml><?xml version="1.0" encoding="utf-8"?>
+<file path=ppt/slides/slide9.xml><?xml version="1.0" encoding="utf-8"?>
 <p:sld xmlns:a="http://schemas.openxmlformats.org/drawingml/2006/main" xmlns:r="http://schemas.openxmlformats.org/officeDocument/2006/relationships" xmlns:p="http://schemas.openxmlformats.org/presentationml/2006/main">
   <p:cSld>
     <p:spTree>
@@ -5392,74 +5574,6 @@
     <p:extLst>
       <p:ext uri="{BB962C8B-B14F-4D97-AF65-F5344CB8AC3E}">
         <p14:creationId xmlns:p14="http://schemas.microsoft.com/office/powerpoint/2010/main" val="2765950012"/>
-      </p:ext>
-    </p:extLst>
-  </p:cSld>
-  <p:clrMapOvr>
-    <a:masterClrMapping/>
-  </p:clrMapOvr>
-</p:sld>
-</file>
-
-<file path=ppt/slides/slide9.xml><?xml version="1.0" encoding="utf-8"?>
-<p:sld xmlns:a="http://schemas.openxmlformats.org/drawingml/2006/main" xmlns:r="http://schemas.openxmlformats.org/officeDocument/2006/relationships" xmlns:p="http://schemas.openxmlformats.org/presentationml/2006/main">
-  <p:cSld>
-    <p:spTree>
-      <p:nvGrpSpPr>
-        <p:cNvPr id="1" name=""/>
-        <p:cNvGrpSpPr/>
-        <p:nvPr/>
-      </p:nvGrpSpPr>
-      <p:grpSpPr>
-        <a:xfrm>
-          <a:off x="0" y="0"/>
-          <a:ext cx="0" cy="0"/>
-          <a:chOff x="0" y="0"/>
-          <a:chExt cx="0" cy="0"/>
-        </a:xfrm>
-      </p:grpSpPr>
-      <p:sp>
-        <p:nvSpPr>
-          <p:cNvPr id="7" name="TextBox 6">
-            <a:extLst>
-              <a:ext uri="{FF2B5EF4-FFF2-40B4-BE49-F238E27FC236}">
-                <a16:creationId xmlns:a16="http://schemas.microsoft.com/office/drawing/2014/main" id="{5855D35C-DFCA-D8B9-05BA-F01A074C5E44}"/>
-              </a:ext>
-            </a:extLst>
-          </p:cNvPr>
-          <p:cNvSpPr txBox="1"/>
-          <p:nvPr/>
-        </p:nvSpPr>
-        <p:spPr>
-          <a:xfrm>
-            <a:off x="825624" y="162208"/>
-            <a:ext cx="6492483" cy="461665"/>
-          </a:xfrm>
-          <a:prstGeom prst="rect">
-            <a:avLst/>
-          </a:prstGeom>
-          <a:noFill/>
-        </p:spPr>
-        <p:txBody>
-          <a:bodyPr wrap="none" rtlCol="0">
-            <a:spAutoFit/>
-          </a:bodyPr>
-          <a:lstStyle/>
-          <a:p>
-            <a:r>
-              <a:rPr lang="en-GB" sz="2400" b="1" dirty="0">
-                <a:latin typeface="Arial" panose="020B0604020202020204" pitchFamily="34" charset="0"/>
-                <a:cs typeface="Arial" panose="020B0604020202020204" pitchFamily="34" charset="0"/>
-              </a:rPr>
-              <a:t>Can migraine variables predict poor sleep?</a:t>
-            </a:r>
-          </a:p>
-        </p:txBody>
-      </p:sp>
-    </p:spTree>
-    <p:extLst>
-      <p:ext uri="{BB962C8B-B14F-4D97-AF65-F5344CB8AC3E}">
-        <p14:creationId xmlns:p14="http://schemas.microsoft.com/office/powerpoint/2010/main" val="3093588785"/>
       </p:ext>
     </p:extLst>
   </p:cSld>
